--- a/House Price Prediction Using ML.pptx
+++ b/House Price Prediction Using ML.pptx
@@ -13,8 +13,9 @@
     <p:sldId id="261" r:id="rId7"/>
     <p:sldId id="262" r:id="rId8"/>
     <p:sldId id="263" r:id="rId9"/>
-    <p:sldId id="264" r:id="rId10"/>
-    <p:sldId id="265" r:id="rId11"/>
+    <p:sldId id="266" r:id="rId10"/>
+    <p:sldId id="264" r:id="rId11"/>
+    <p:sldId id="265" r:id="rId12"/>
   </p:sldIdLst>
   <p:sldSz cx="12192000" cy="6858000"/>
   <p:notesSz cx="12192000" cy="6858000"/>
@@ -277,7 +278,7 @@
           <a:p>
             <a:fld id="{1D8BD707-D9CF-40AE-B4C6-C98DA3205C09}" type="datetimeFigureOut">
               <a:rPr lang="en-US"/>
-              <a:t>4/4/2024</a:t>
+              <a:t>4/5/2024</a:t>
             </a:fld>
             <a:endParaRPr lang="en-US"/>
           </a:p>
@@ -457,7 +458,7 @@
           <a:p>
             <a:fld id="{1D8BD707-D9CF-40AE-B4C6-C98DA3205C09}" type="datetimeFigureOut">
               <a:rPr lang="en-US"/>
-              <a:t>4/4/2024</a:t>
+              <a:t>4/5/2024</a:t>
             </a:fld>
             <a:endParaRPr lang="en-US"/>
           </a:p>
@@ -680,7 +681,7 @@
           <a:p>
             <a:fld id="{1D8BD707-D9CF-40AE-B4C6-C98DA3205C09}" type="datetimeFigureOut">
               <a:rPr lang="en-US"/>
-              <a:t>4/4/2024</a:t>
+              <a:t>4/5/2024</a:t>
             </a:fld>
             <a:endParaRPr lang="en-US"/>
           </a:p>
@@ -837,7 +838,7 @@
           <a:p>
             <a:fld id="{1D8BD707-D9CF-40AE-B4C6-C98DA3205C09}" type="datetimeFigureOut">
               <a:rPr lang="en-US"/>
-              <a:t>4/4/2024</a:t>
+              <a:t>4/5/2024</a:t>
             </a:fld>
             <a:endParaRPr lang="en-US"/>
           </a:p>
@@ -965,7 +966,7 @@
           <a:p>
             <a:fld id="{1D8BD707-D9CF-40AE-B4C6-C98DA3205C09}" type="datetimeFigureOut">
               <a:rPr lang="en-US"/>
-              <a:t>4/4/2024</a:t>
+              <a:t>4/5/2024</a:t>
             </a:fld>
             <a:endParaRPr lang="en-US"/>
           </a:p>
@@ -1684,7 +1685,7 @@
           <a:p>
             <a:fld id="{1D8BD707-D9CF-40AE-B4C6-C98DA3205C09}" type="datetimeFigureOut">
               <a:rPr lang="en-US"/>
-              <a:t>4/4/2024</a:t>
+              <a:t>4/5/2024</a:t>
             </a:fld>
             <a:endParaRPr lang="en-US"/>
           </a:p>
@@ -2567,7 +2568,7 @@
         </p:nvSpPr>
         <p:spPr>
           <a:xfrm>
-            <a:off x="9353550" y="5362575"/>
+            <a:off x="10591800" y="4876800"/>
             <a:ext cx="457200" cy="457200"/>
           </a:xfrm>
           <a:custGeom>
@@ -2617,7 +2618,7 @@
         </p:nvSpPr>
         <p:spPr>
           <a:xfrm>
-            <a:off x="9810750" y="1981200"/>
+            <a:off x="10115220" y="2438400"/>
             <a:ext cx="314325" cy="323850"/>
           </a:xfrm>
           <a:custGeom>
@@ -2655,7 +2656,7 @@
           <a:bodyPr wrap="square" lIns="0" tIns="0" rIns="0" bIns="0" rtlCol="0"/>
           <a:lstStyle/>
           <a:p>
-            <a:endParaRPr dirty="0"/>
+            <a:endParaRPr/>
           </a:p>
         </p:txBody>
       </p:sp>
@@ -2667,7 +2668,7 @@
         </p:nvSpPr>
         <p:spPr>
           <a:xfrm>
-            <a:off x="9353550" y="5895975"/>
+            <a:off x="10408151" y="5791200"/>
             <a:ext cx="180975" cy="180975"/>
           </a:xfrm>
           <a:custGeom>
@@ -2733,84 +2734,6 @@
       </p:pic>
       <p:sp>
         <p:nvSpPr>
-          <p:cNvPr id="7" name="object 7"/>
-          <p:cNvSpPr txBox="1">
-            <a:spLocks noGrp="1"/>
-          </p:cNvSpPr>
-          <p:nvPr>
-            <p:ph type="title"/>
-          </p:nvPr>
-        </p:nvSpPr>
-        <p:spPr>
-          <a:xfrm>
-            <a:off x="304800" y="0"/>
-            <a:ext cx="2437130" cy="629018"/>
-          </a:xfrm>
-          <a:prstGeom prst="rect">
-            <a:avLst/>
-          </a:prstGeom>
-        </p:spPr>
-        <p:txBody>
-          <a:bodyPr vert="horz" wrap="square" lIns="0" tIns="13335" rIns="0" bIns="0" rtlCol="0">
-            <a:spAutoFit/>
-          </a:bodyPr>
-          <a:lstStyle/>
-          <a:p>
-            <a:pPr marL="12700">
-              <a:lnSpc>
-                <a:spcPct val="100000"/>
-              </a:lnSpc>
-              <a:spcBef>
-                <a:spcPts val="105"/>
-              </a:spcBef>
-            </a:pPr>
-            <a:r>
-              <a:rPr sz="4000" dirty="0">
-                <a:latin typeface="Trebuchet MS" panose="020B0603020202020204" pitchFamily="34" charset="0"/>
-                <a:cs typeface="Times New Roman" panose="02020603050405020304" pitchFamily="18" charset="0"/>
-              </a:rPr>
-              <a:t>R</a:t>
-            </a:r>
-            <a:r>
-              <a:rPr sz="4000" spc="-40" dirty="0">
-                <a:latin typeface="Trebuchet MS" panose="020B0603020202020204" pitchFamily="34" charset="0"/>
-                <a:cs typeface="Times New Roman" panose="02020603050405020304" pitchFamily="18" charset="0"/>
-              </a:rPr>
-              <a:t>E</a:t>
-            </a:r>
-            <a:r>
-              <a:rPr sz="4000" spc="15" dirty="0">
-                <a:latin typeface="Trebuchet MS" panose="020B0603020202020204" pitchFamily="34" charset="0"/>
-                <a:cs typeface="Times New Roman" panose="02020603050405020304" pitchFamily="18" charset="0"/>
-              </a:rPr>
-              <a:t>S</a:t>
-            </a:r>
-            <a:r>
-              <a:rPr sz="4000" spc="-30" dirty="0">
-                <a:latin typeface="Trebuchet MS" panose="020B0603020202020204" pitchFamily="34" charset="0"/>
-                <a:cs typeface="Times New Roman" panose="02020603050405020304" pitchFamily="18" charset="0"/>
-              </a:rPr>
-              <a:t>U</a:t>
-            </a:r>
-            <a:r>
-              <a:rPr sz="4000" spc="-405" dirty="0">
-                <a:latin typeface="Trebuchet MS" panose="020B0603020202020204" pitchFamily="34" charset="0"/>
-                <a:cs typeface="Times New Roman" panose="02020603050405020304" pitchFamily="18" charset="0"/>
-              </a:rPr>
-              <a:t>L</a:t>
-            </a:r>
-            <a:r>
-              <a:rPr sz="4000" dirty="0">
-                <a:latin typeface="Trebuchet MS" panose="020B0603020202020204" pitchFamily="34" charset="0"/>
-                <a:cs typeface="Times New Roman" panose="02020603050405020304" pitchFamily="18" charset="0"/>
-              </a:rPr>
-              <a:t>TS</a:t>
-            </a:r>
-          </a:p>
-        </p:txBody>
-      </p:sp>
-      <p:sp>
-        <p:nvSpPr>
           <p:cNvPr id="9" name="object 9"/>
           <p:cNvSpPr txBox="1"/>
           <p:nvPr/>
@@ -2847,6 +2770,733 @@
                 <a:cs typeface="Trebuchet MS"/>
               </a:rPr>
               <a:t>10</a:t>
+            </a:fld>
+            <a:endParaRPr sz="1100">
+              <a:latin typeface="Trebuchet MS"/>
+              <a:cs typeface="Trebuchet MS"/>
+            </a:endParaRPr>
+          </a:p>
+        </p:txBody>
+      </p:sp>
+      <p:sp>
+        <p:nvSpPr>
+          <p:cNvPr id="8" name="object 8"/>
+          <p:cNvSpPr txBox="1"/>
+          <p:nvPr/>
+        </p:nvSpPr>
+        <p:spPr>
+          <a:xfrm>
+            <a:off x="381000" y="212725"/>
+            <a:ext cx="3303904" cy="758190"/>
+          </a:xfrm>
+          <a:prstGeom prst="rect">
+            <a:avLst/>
+          </a:prstGeom>
+        </p:spPr>
+        <p:txBody>
+          <a:bodyPr vert="horz" wrap="square" lIns="0" tIns="13335" rIns="0" bIns="0" rtlCol="0">
+            <a:spAutoFit/>
+          </a:bodyPr>
+          <a:lstStyle/>
+          <a:p>
+            <a:pPr marL="12700">
+              <a:lnSpc>
+                <a:spcPct val="100000"/>
+              </a:lnSpc>
+              <a:spcBef>
+                <a:spcPts val="105"/>
+              </a:spcBef>
+            </a:pPr>
+            <a:r>
+              <a:rPr sz="4800" b="1" spc="15" dirty="0">
+                <a:latin typeface="Trebuchet MS"/>
+                <a:cs typeface="Trebuchet MS"/>
+              </a:rPr>
+              <a:t>M</a:t>
+            </a:r>
+            <a:r>
+              <a:rPr sz="4800" b="1" dirty="0">
+                <a:latin typeface="Trebuchet MS"/>
+                <a:cs typeface="Trebuchet MS"/>
+              </a:rPr>
+              <a:t>O</a:t>
+            </a:r>
+            <a:r>
+              <a:rPr sz="4800" b="1" spc="-15" dirty="0">
+                <a:latin typeface="Trebuchet MS"/>
+                <a:cs typeface="Trebuchet MS"/>
+              </a:rPr>
+              <a:t>D</a:t>
+            </a:r>
+            <a:r>
+              <a:rPr sz="4800" b="1" spc="-35" dirty="0">
+                <a:latin typeface="Trebuchet MS"/>
+                <a:cs typeface="Trebuchet MS"/>
+              </a:rPr>
+              <a:t>E</a:t>
+            </a:r>
+            <a:r>
+              <a:rPr sz="4800" b="1" spc="-30" dirty="0">
+                <a:latin typeface="Trebuchet MS"/>
+                <a:cs typeface="Trebuchet MS"/>
+              </a:rPr>
+              <a:t>LL</a:t>
+            </a:r>
+            <a:r>
+              <a:rPr sz="4800" b="1" spc="-5" dirty="0">
+                <a:latin typeface="Trebuchet MS"/>
+                <a:cs typeface="Trebuchet MS"/>
+              </a:rPr>
+              <a:t>I</a:t>
+            </a:r>
+            <a:r>
+              <a:rPr sz="4800" b="1" spc="30" dirty="0">
+                <a:latin typeface="Trebuchet MS"/>
+                <a:cs typeface="Trebuchet MS"/>
+              </a:rPr>
+              <a:t>N</a:t>
+            </a:r>
+            <a:r>
+              <a:rPr sz="4800" b="1" spc="5" dirty="0">
+                <a:latin typeface="Trebuchet MS"/>
+                <a:cs typeface="Trebuchet MS"/>
+              </a:rPr>
+              <a:t>G</a:t>
+            </a:r>
+            <a:endParaRPr sz="4800" dirty="0">
+              <a:latin typeface="Trebuchet MS"/>
+              <a:cs typeface="Trebuchet MS"/>
+            </a:endParaRPr>
+          </a:p>
+        </p:txBody>
+      </p:sp>
+      <p:sp>
+        <p:nvSpPr>
+          <p:cNvPr id="10" name="TextBox 9">
+            <a:extLst>
+              <a:ext uri="{FF2B5EF4-FFF2-40B4-BE49-F238E27FC236}">
+                <a16:creationId xmlns:a16="http://schemas.microsoft.com/office/drawing/2014/main" id="{C81C1914-0283-6560-EC85-28F36FC16105}"/>
+              </a:ext>
+            </a:extLst>
+          </p:cNvPr>
+          <p:cNvSpPr txBox="1"/>
+          <p:nvPr/>
+        </p:nvSpPr>
+        <p:spPr>
+          <a:xfrm>
+            <a:off x="0" y="1020096"/>
+            <a:ext cx="9432095" cy="2308324"/>
+          </a:xfrm>
+          <a:prstGeom prst="rect">
+            <a:avLst/>
+          </a:prstGeom>
+          <a:noFill/>
+        </p:spPr>
+        <p:txBody>
+          <a:bodyPr wrap="square">
+            <a:spAutoFit/>
+          </a:bodyPr>
+          <a:lstStyle/>
+          <a:p>
+            <a:pPr marL="342900" indent="-342900">
+              <a:buFont typeface="Wingdings" panose="05000000000000000000" pitchFamily="2" charset="2"/>
+              <a:buChar char="Ø"/>
+            </a:pPr>
+            <a:r>
+              <a:rPr lang="en-US" sz="2400" b="0" i="0" dirty="0">
+                <a:solidFill>
+                  <a:srgbClr val="0D0D0D"/>
+                </a:solidFill>
+                <a:effectLst/>
+                <a:latin typeface="Times New Roman" panose="02020603050405020304" pitchFamily="18" charset="0"/>
+                <a:cs typeface="Times New Roman" panose="02020603050405020304" pitchFamily="18" charset="0"/>
+              </a:rPr>
+              <a:t>In our house price prediction modeling, we employ a multi-faceted approach, combining sophisticated machine learning algorithms with comprehensive feature engineering techniques. By meticulously analyzing diverse data points such as property attributes, neighborhood characteristics, and economic indicators, we extract valuable insights to enhance prediction accuracy.</a:t>
+            </a:r>
+            <a:endParaRPr lang="en-US" sz="2400" dirty="0">
+              <a:latin typeface="Times New Roman" panose="02020603050405020304" pitchFamily="18" charset="0"/>
+              <a:cs typeface="Times New Roman" panose="02020603050405020304" pitchFamily="18" charset="0"/>
+            </a:endParaRPr>
+          </a:p>
+        </p:txBody>
+      </p:sp>
+      <p:sp>
+        <p:nvSpPr>
+          <p:cNvPr id="19" name="TextBox 18">
+            <a:extLst>
+              <a:ext uri="{FF2B5EF4-FFF2-40B4-BE49-F238E27FC236}">
+                <a16:creationId xmlns:a16="http://schemas.microsoft.com/office/drawing/2014/main" id="{0BF9C3EF-167F-D99F-83A3-92A88DF759FD}"/>
+              </a:ext>
+            </a:extLst>
+          </p:cNvPr>
+          <p:cNvSpPr txBox="1"/>
+          <p:nvPr/>
+        </p:nvSpPr>
+        <p:spPr>
+          <a:xfrm>
+            <a:off x="2524455" y="8763000"/>
+            <a:ext cx="7286294" cy="8506161"/>
+          </a:xfrm>
+          <a:prstGeom prst="rect">
+            <a:avLst/>
+          </a:prstGeom>
+          <a:noFill/>
+        </p:spPr>
+        <p:txBody>
+          <a:bodyPr wrap="square" rtlCol="0">
+            <a:spAutoFit/>
+          </a:bodyPr>
+          <a:lstStyle/>
+          <a:p>
+            <a:endParaRPr lang="en-US" dirty="0"/>
+          </a:p>
+        </p:txBody>
+      </p:sp>
+      <p:sp>
+        <p:nvSpPr>
+          <p:cNvPr id="20" name="Rectangle 3">
+            <a:extLst>
+              <a:ext uri="{FF2B5EF4-FFF2-40B4-BE49-F238E27FC236}">
+                <a16:creationId xmlns:a16="http://schemas.microsoft.com/office/drawing/2014/main" id="{A10AB276-9E56-C744-9283-8A70FA7738D6}"/>
+              </a:ext>
+            </a:extLst>
+          </p:cNvPr>
+          <p:cNvSpPr>
+            <a:spLocks noChangeArrowheads="1"/>
+          </p:cNvSpPr>
+          <p:nvPr/>
+        </p:nvSpPr>
+        <p:spPr bwMode="auto">
+          <a:xfrm>
+            <a:off x="19380" y="3512820"/>
+            <a:ext cx="10115220" cy="2954655"/>
+          </a:xfrm>
+          <a:prstGeom prst="rect">
+            <a:avLst/>
+          </a:prstGeom>
+          <a:noFill/>
+          <a:ln>
+            <a:noFill/>
+          </a:ln>
+          <a:effectLst/>
+          <a:extLst>
+            <a:ext uri="{909E8E84-426E-40DD-AFC4-6F175D3DCCD1}">
+              <a14:hiddenFill xmlns:a14="http://schemas.microsoft.com/office/drawing/2010/main">
+                <a:solidFill>
+                  <a:schemeClr val="accent1"/>
+                </a:solidFill>
+              </a14:hiddenFill>
+            </a:ext>
+            <a:ext uri="{91240B29-F687-4F45-9708-019B960494DF}">
+              <a14:hiddenLine xmlns:a14="http://schemas.microsoft.com/office/drawing/2010/main" w="9525">
+                <a:solidFill>
+                  <a:schemeClr val="tx1"/>
+                </a:solidFill>
+                <a:miter lim="800000"/>
+                <a:headEnd/>
+                <a:tailEnd/>
+              </a14:hiddenLine>
+            </a:ext>
+            <a:ext uri="{AF507438-7753-43E0-B8FC-AC1667EBCBE1}">
+              <a14:hiddenEffects xmlns:a14="http://schemas.microsoft.com/office/drawing/2010/main">
+                <a:effectLst>
+                  <a:outerShdw dist="35921" dir="2700000" algn="ctr" rotWithShape="0">
+                    <a:schemeClr val="bg2"/>
+                  </a:outerShdw>
+                </a:effectLst>
+              </a14:hiddenEffects>
+            </a:ext>
+          </a:extLst>
+        </p:spPr>
+        <p:txBody>
+          <a:bodyPr vert="horz" wrap="square" lIns="91440" tIns="45720" rIns="91440" bIns="45720" numCol="1" anchor="ctr" anchorCtr="0" compatLnSpc="1">
+            <a:prstTxWarp prst="textNoShape">
+              <a:avLst/>
+            </a:prstTxWarp>
+            <a:spAutoFit/>
+          </a:bodyPr>
+          <a:lstStyle/>
+          <a:p>
+            <a:pPr marL="342900" marR="0" lvl="0" indent="-342900" algn="l" defTabSz="914400" rtl="0" eaLnBrk="0" fontAlgn="base" latinLnBrk="0" hangingPunct="0">
+              <a:lnSpc>
+                <a:spcPct val="100000"/>
+              </a:lnSpc>
+              <a:spcBef>
+                <a:spcPct val="0"/>
+              </a:spcBef>
+              <a:spcAft>
+                <a:spcPct val="0"/>
+              </a:spcAft>
+              <a:buClrTx/>
+              <a:buSzTx/>
+              <a:buFont typeface="Wingdings" panose="05000000000000000000" pitchFamily="2" charset="2"/>
+              <a:buChar char="Ø"/>
+              <a:tabLst/>
+            </a:pPr>
+            <a:r>
+              <a:rPr kumimoji="0" lang="en-US" altLang="en-US" sz="2400" b="0" i="0" u="none" strike="noStrike" cap="none" normalizeH="0" baseline="0" dirty="0">
+                <a:ln>
+                  <a:noFill/>
+                </a:ln>
+                <a:solidFill>
+                  <a:schemeClr val="tx1"/>
+                </a:solidFill>
+                <a:effectLst/>
+                <a:latin typeface="Times New Roman" panose="02020603050405020304" pitchFamily="18" charset="0"/>
+                <a:cs typeface="Times New Roman" panose="02020603050405020304" pitchFamily="18" charset="0"/>
+              </a:rPr>
+              <a:t>With a focus on interpretability and scalability, our solution adapts seamlessly to varying market conditions and geographical regions. Backed by robust statistical methodologies, our modeling framework ensures reliable forecasts, empowering stakeholders to make informed decisions in real estate transactions. Embrace the future of house price prediction with our innovative modeling solution, setting new benchmarks for precision and efficiency in the industry.</a:t>
+            </a:r>
+          </a:p>
+          <a:p>
+            <a:pPr marL="0" marR="0" lvl="0" indent="0" algn="l" defTabSz="914400" rtl="0" eaLnBrk="0" fontAlgn="base" latinLnBrk="0" hangingPunct="0">
+              <a:lnSpc>
+                <a:spcPct val="100000"/>
+              </a:lnSpc>
+              <a:spcBef>
+                <a:spcPct val="0"/>
+              </a:spcBef>
+              <a:spcAft>
+                <a:spcPct val="0"/>
+              </a:spcAft>
+              <a:buClrTx/>
+              <a:buSzTx/>
+              <a:buFontTx/>
+              <a:buNone/>
+              <a:tabLst/>
+            </a:pPr>
+            <a:endParaRPr kumimoji="0" lang="en-US" altLang="en-US" sz="1800" b="0" i="0" u="none" strike="noStrike" cap="none" normalizeH="0" baseline="0" dirty="0">
+              <a:ln>
+                <a:noFill/>
+              </a:ln>
+              <a:solidFill>
+                <a:schemeClr val="tx1"/>
+              </a:solidFill>
+              <a:effectLst/>
+              <a:latin typeface="Arial" panose="020B0604020202020204" pitchFamily="34" charset="0"/>
+            </a:endParaRPr>
+          </a:p>
+        </p:txBody>
+      </p:sp>
+      <p:sp>
+        <p:nvSpPr>
+          <p:cNvPr id="21" name="Rectangle 4">
+            <a:extLst>
+              <a:ext uri="{FF2B5EF4-FFF2-40B4-BE49-F238E27FC236}">
+                <a16:creationId xmlns:a16="http://schemas.microsoft.com/office/drawing/2014/main" id="{62AC94DE-1B50-A6BE-B3AB-A619C652CD2F}"/>
+              </a:ext>
+            </a:extLst>
+          </p:cNvPr>
+          <p:cNvSpPr>
+            <a:spLocks noChangeArrowheads="1"/>
+          </p:cNvSpPr>
+          <p:nvPr/>
+        </p:nvSpPr>
+        <p:spPr bwMode="auto">
+          <a:xfrm>
+            <a:off x="857580" y="3662094"/>
+            <a:ext cx="3211327" cy="646331"/>
+          </a:xfrm>
+          <a:prstGeom prst="rect">
+            <a:avLst/>
+          </a:prstGeom>
+          <a:noFill/>
+          <a:ln>
+            <a:noFill/>
+          </a:ln>
+          <a:effectLst/>
+          <a:extLst>
+            <a:ext uri="{909E8E84-426E-40DD-AFC4-6F175D3DCCD1}">
+              <a14:hiddenFill xmlns:a14="http://schemas.microsoft.com/office/drawing/2010/main">
+                <a:solidFill>
+                  <a:schemeClr val="accent1"/>
+                </a:solidFill>
+              </a14:hiddenFill>
+            </a:ext>
+            <a:ext uri="{91240B29-F687-4F45-9708-019B960494DF}">
+              <a14:hiddenLine xmlns:a14="http://schemas.microsoft.com/office/drawing/2010/main" w="9525">
+                <a:solidFill>
+                  <a:schemeClr val="tx1"/>
+                </a:solidFill>
+                <a:miter lim="800000"/>
+                <a:headEnd/>
+                <a:tailEnd/>
+              </a14:hiddenLine>
+            </a:ext>
+            <a:ext uri="{AF507438-7753-43E0-B8FC-AC1667EBCBE1}">
+              <a14:hiddenEffects xmlns:a14="http://schemas.microsoft.com/office/drawing/2010/main">
+                <a:effectLst>
+                  <a:outerShdw dist="35921" dir="2700000" algn="ctr" rotWithShape="0">
+                    <a:schemeClr val="bg2"/>
+                  </a:outerShdw>
+                </a:effectLst>
+              </a14:hiddenEffects>
+            </a:ext>
+          </a:extLst>
+        </p:spPr>
+        <p:txBody>
+          <a:bodyPr vert="horz" wrap="square" lIns="91440" tIns="45720" rIns="91440" bIns="45720" numCol="1" anchor="ctr" anchorCtr="0" compatLnSpc="1">
+            <a:prstTxWarp prst="textNoShape">
+              <a:avLst/>
+            </a:prstTxWarp>
+            <a:spAutoFit/>
+          </a:bodyPr>
+          <a:lstStyle/>
+          <a:p>
+            <a:pPr marL="0" marR="0" lvl="0" indent="0" algn="l" defTabSz="914400" rtl="0" eaLnBrk="0" fontAlgn="base" latinLnBrk="0" hangingPunct="0">
+              <a:lnSpc>
+                <a:spcPct val="100000"/>
+              </a:lnSpc>
+              <a:spcBef>
+                <a:spcPct val="0"/>
+              </a:spcBef>
+              <a:spcAft>
+                <a:spcPct val="0"/>
+              </a:spcAft>
+              <a:buClrTx/>
+              <a:buSzTx/>
+              <a:buFontTx/>
+              <a:buNone/>
+              <a:tabLst/>
+            </a:pPr>
+            <a:br>
+              <a:rPr kumimoji="0" lang="en-US" altLang="en-US" sz="1800" b="0" i="0" u="none" strike="noStrike" cap="none" normalizeH="0" baseline="0">
+                <a:ln>
+                  <a:noFill/>
+                </a:ln>
+                <a:solidFill>
+                  <a:srgbClr val="000000"/>
+                </a:solidFill>
+                <a:effectLst/>
+                <a:latin typeface="Söhne"/>
+              </a:rPr>
+            </a:br>
+            <a:endParaRPr kumimoji="0" lang="en-US" altLang="en-US" sz="1800" b="0" i="0" u="none" strike="noStrike" cap="none" normalizeH="0" baseline="0">
+              <a:ln>
+                <a:noFill/>
+              </a:ln>
+              <a:solidFill>
+                <a:schemeClr val="tx1"/>
+              </a:solidFill>
+              <a:effectLst/>
+              <a:latin typeface="Arial" panose="020B0604020202020204" pitchFamily="34" charset="0"/>
+            </a:endParaRPr>
+          </a:p>
+        </p:txBody>
+      </p:sp>
+    </p:spTree>
+  </p:cSld>
+  <p:clrMapOvr>
+    <a:masterClrMapping/>
+  </p:clrMapOvr>
+</p:sld>
+</file>
+
+<file path=ppt/slides/slide11.xml><?xml version="1.0" encoding="utf-8"?>
+<p:sld xmlns:a="http://schemas.openxmlformats.org/drawingml/2006/main" xmlns:r="http://schemas.openxmlformats.org/officeDocument/2006/relationships" xmlns:p="http://schemas.openxmlformats.org/presentationml/2006/main">
+  <p:cSld>
+    <p:spTree>
+      <p:nvGrpSpPr>
+        <p:cNvPr id="1" name=""/>
+        <p:cNvGrpSpPr/>
+        <p:nvPr/>
+      </p:nvGrpSpPr>
+      <p:grpSpPr>
+        <a:xfrm>
+          <a:off x="0" y="0"/>
+          <a:ext cx="0" cy="0"/>
+          <a:chOff x="0" y="0"/>
+          <a:chExt cx="0" cy="0"/>
+        </a:xfrm>
+      </p:grpSpPr>
+      <p:sp>
+        <p:nvSpPr>
+          <p:cNvPr id="3" name="object 3"/>
+          <p:cNvSpPr/>
+          <p:nvPr/>
+        </p:nvSpPr>
+        <p:spPr>
+          <a:xfrm>
+            <a:off x="9353550" y="5362575"/>
+            <a:ext cx="457200" cy="457200"/>
+          </a:xfrm>
+          <a:custGeom>
+            <a:avLst/>
+            <a:gdLst/>
+            <a:ahLst/>
+            <a:cxnLst/>
+            <a:rect l="l" t="t" r="r" b="b"/>
+            <a:pathLst>
+              <a:path w="457200" h="457200">
+                <a:moveTo>
+                  <a:pt x="457200" y="0"/>
+                </a:moveTo>
+                <a:lnTo>
+                  <a:pt x="0" y="0"/>
+                </a:lnTo>
+                <a:lnTo>
+                  <a:pt x="0" y="457200"/>
+                </a:lnTo>
+                <a:lnTo>
+                  <a:pt x="457200" y="457200"/>
+                </a:lnTo>
+                <a:lnTo>
+                  <a:pt x="457200" y="0"/>
+                </a:lnTo>
+                <a:close/>
+              </a:path>
+            </a:pathLst>
+          </a:custGeom>
+          <a:solidFill>
+            <a:srgbClr val="42AF51"/>
+          </a:solidFill>
+        </p:spPr>
+        <p:txBody>
+          <a:bodyPr wrap="square" lIns="0" tIns="0" rIns="0" bIns="0" rtlCol="0"/>
+          <a:lstStyle/>
+          <a:p>
+            <a:endParaRPr/>
+          </a:p>
+        </p:txBody>
+      </p:sp>
+      <p:sp>
+        <p:nvSpPr>
+          <p:cNvPr id="4" name="object 4"/>
+          <p:cNvSpPr/>
+          <p:nvPr/>
+        </p:nvSpPr>
+        <p:spPr>
+          <a:xfrm>
+            <a:off x="9810750" y="1981200"/>
+            <a:ext cx="314325" cy="323850"/>
+          </a:xfrm>
+          <a:custGeom>
+            <a:avLst/>
+            <a:gdLst/>
+            <a:ahLst/>
+            <a:cxnLst/>
+            <a:rect l="l" t="t" r="r" b="b"/>
+            <a:pathLst>
+              <a:path w="314325" h="323850">
+                <a:moveTo>
+                  <a:pt x="314325" y="0"/>
+                </a:moveTo>
+                <a:lnTo>
+                  <a:pt x="0" y="0"/>
+                </a:lnTo>
+                <a:lnTo>
+                  <a:pt x="0" y="323850"/>
+                </a:lnTo>
+                <a:lnTo>
+                  <a:pt x="314325" y="323850"/>
+                </a:lnTo>
+                <a:lnTo>
+                  <a:pt x="314325" y="0"/>
+                </a:lnTo>
+                <a:close/>
+              </a:path>
+            </a:pathLst>
+          </a:custGeom>
+          <a:solidFill>
+            <a:srgbClr val="2D83C3"/>
+          </a:solidFill>
+        </p:spPr>
+        <p:txBody>
+          <a:bodyPr wrap="square" lIns="0" tIns="0" rIns="0" bIns="0" rtlCol="0"/>
+          <a:lstStyle/>
+          <a:p>
+            <a:endParaRPr dirty="0"/>
+          </a:p>
+        </p:txBody>
+      </p:sp>
+      <p:sp>
+        <p:nvSpPr>
+          <p:cNvPr id="5" name="object 5"/>
+          <p:cNvSpPr/>
+          <p:nvPr/>
+        </p:nvSpPr>
+        <p:spPr>
+          <a:xfrm>
+            <a:off x="9353550" y="5895975"/>
+            <a:ext cx="180975" cy="180975"/>
+          </a:xfrm>
+          <a:custGeom>
+            <a:avLst/>
+            <a:gdLst/>
+            <a:ahLst/>
+            <a:cxnLst/>
+            <a:rect l="l" t="t" r="r" b="b"/>
+            <a:pathLst>
+              <a:path w="180975" h="180975">
+                <a:moveTo>
+                  <a:pt x="180975" y="0"/>
+                </a:moveTo>
+                <a:lnTo>
+                  <a:pt x="0" y="0"/>
+                </a:lnTo>
+                <a:lnTo>
+                  <a:pt x="0" y="180975"/>
+                </a:lnTo>
+                <a:lnTo>
+                  <a:pt x="180975" y="180975"/>
+                </a:lnTo>
+                <a:lnTo>
+                  <a:pt x="180975" y="0"/>
+                </a:lnTo>
+                <a:close/>
+              </a:path>
+            </a:pathLst>
+          </a:custGeom>
+          <a:solidFill>
+            <a:srgbClr val="2D936B"/>
+          </a:solidFill>
+        </p:spPr>
+        <p:txBody>
+          <a:bodyPr wrap="square" lIns="0" tIns="0" rIns="0" bIns="0" rtlCol="0"/>
+          <a:lstStyle/>
+          <a:p>
+            <a:endParaRPr/>
+          </a:p>
+        </p:txBody>
+      </p:sp>
+      <p:pic>
+        <p:nvPicPr>
+          <p:cNvPr id="6" name="object 6"/>
+          <p:cNvPicPr/>
+          <p:nvPr/>
+        </p:nvPicPr>
+        <p:blipFill>
+          <a:blip r:embed="rId2" cstate="print"/>
+          <a:stretch>
+            <a:fillRect/>
+          </a:stretch>
+        </p:blipFill>
+        <p:spPr>
+          <a:xfrm>
+            <a:off x="1666875" y="6467475"/>
+            <a:ext cx="76200" cy="177800"/>
+          </a:xfrm>
+          <a:prstGeom prst="rect">
+            <a:avLst/>
+          </a:prstGeom>
+        </p:spPr>
+      </p:pic>
+      <p:sp>
+        <p:nvSpPr>
+          <p:cNvPr id="7" name="object 7"/>
+          <p:cNvSpPr txBox="1">
+            <a:spLocks noGrp="1"/>
+          </p:cNvSpPr>
+          <p:nvPr>
+            <p:ph type="title"/>
+          </p:nvPr>
+        </p:nvSpPr>
+        <p:spPr>
+          <a:xfrm>
+            <a:off x="304800" y="0"/>
+            <a:ext cx="2437130" cy="629018"/>
+          </a:xfrm>
+          <a:prstGeom prst="rect">
+            <a:avLst/>
+          </a:prstGeom>
+        </p:spPr>
+        <p:txBody>
+          <a:bodyPr vert="horz" wrap="square" lIns="0" tIns="13335" rIns="0" bIns="0" rtlCol="0">
+            <a:spAutoFit/>
+          </a:bodyPr>
+          <a:lstStyle/>
+          <a:p>
+            <a:pPr marL="12700">
+              <a:lnSpc>
+                <a:spcPct val="100000"/>
+              </a:lnSpc>
+              <a:spcBef>
+                <a:spcPts val="105"/>
+              </a:spcBef>
+            </a:pPr>
+            <a:r>
+              <a:rPr sz="4000" dirty="0">
+                <a:latin typeface="Trebuchet MS" panose="020B0603020202020204" pitchFamily="34" charset="0"/>
+                <a:cs typeface="Times New Roman" panose="02020603050405020304" pitchFamily="18" charset="0"/>
+              </a:rPr>
+              <a:t>R</a:t>
+            </a:r>
+            <a:r>
+              <a:rPr sz="4000" spc="-40" dirty="0">
+                <a:latin typeface="Trebuchet MS" panose="020B0603020202020204" pitchFamily="34" charset="0"/>
+                <a:cs typeface="Times New Roman" panose="02020603050405020304" pitchFamily="18" charset="0"/>
+              </a:rPr>
+              <a:t>E</a:t>
+            </a:r>
+            <a:r>
+              <a:rPr sz="4000" spc="15" dirty="0">
+                <a:latin typeface="Trebuchet MS" panose="020B0603020202020204" pitchFamily="34" charset="0"/>
+                <a:cs typeface="Times New Roman" panose="02020603050405020304" pitchFamily="18" charset="0"/>
+              </a:rPr>
+              <a:t>S</a:t>
+            </a:r>
+            <a:r>
+              <a:rPr sz="4000" spc="-30" dirty="0">
+                <a:latin typeface="Trebuchet MS" panose="020B0603020202020204" pitchFamily="34" charset="0"/>
+                <a:cs typeface="Times New Roman" panose="02020603050405020304" pitchFamily="18" charset="0"/>
+              </a:rPr>
+              <a:t>U</a:t>
+            </a:r>
+            <a:r>
+              <a:rPr sz="4000" spc="-405" dirty="0">
+                <a:latin typeface="Trebuchet MS" panose="020B0603020202020204" pitchFamily="34" charset="0"/>
+                <a:cs typeface="Times New Roman" panose="02020603050405020304" pitchFamily="18" charset="0"/>
+              </a:rPr>
+              <a:t>L</a:t>
+            </a:r>
+            <a:r>
+              <a:rPr sz="4000" dirty="0">
+                <a:latin typeface="Trebuchet MS" panose="020B0603020202020204" pitchFamily="34" charset="0"/>
+                <a:cs typeface="Times New Roman" panose="02020603050405020304" pitchFamily="18" charset="0"/>
+              </a:rPr>
+              <a:t>TS</a:t>
+            </a:r>
+          </a:p>
+        </p:txBody>
+      </p:sp>
+      <p:sp>
+        <p:nvSpPr>
+          <p:cNvPr id="9" name="object 9"/>
+          <p:cNvSpPr txBox="1"/>
+          <p:nvPr/>
+        </p:nvSpPr>
+        <p:spPr>
+          <a:xfrm>
+            <a:off x="11277218" y="6473337"/>
+            <a:ext cx="228600" cy="191770"/>
+          </a:xfrm>
+          <a:prstGeom prst="rect">
+            <a:avLst/>
+          </a:prstGeom>
+        </p:spPr>
+        <p:txBody>
+          <a:bodyPr vert="horz" wrap="square" lIns="0" tIns="6985" rIns="0" bIns="0" rtlCol="0">
+            <a:spAutoFit/>
+          </a:bodyPr>
+          <a:lstStyle/>
+          <a:p>
+            <a:pPr marL="38100">
+              <a:lnSpc>
+                <a:spcPct val="100000"/>
+              </a:lnSpc>
+              <a:spcBef>
+                <a:spcPts val="55"/>
+              </a:spcBef>
+            </a:pPr>
+            <a:fld id="{81D60167-4931-47E6-BA6A-407CBD079E47}" type="slidenum">
+              <a:rPr sz="1100" spc="10" dirty="0">
+                <a:solidFill>
+                  <a:srgbClr val="2D936B"/>
+                </a:solidFill>
+                <a:latin typeface="Trebuchet MS"/>
+                <a:cs typeface="Trebuchet MS"/>
+              </a:rPr>
+              <a:t>11</a:t>
             </a:fld>
             <a:endParaRPr sz="1100">
               <a:latin typeface="Trebuchet MS"/>
@@ -11658,629 +12308,115 @@
       </p:grpSpPr>
       <p:sp>
         <p:nvSpPr>
-          <p:cNvPr id="3" name="object 3"/>
-          <p:cNvSpPr/>
-          <p:nvPr/>
+          <p:cNvPr id="2" name="Title 1">
+            <a:extLst>
+              <a:ext uri="{FF2B5EF4-FFF2-40B4-BE49-F238E27FC236}">
+                <a16:creationId xmlns:a16="http://schemas.microsoft.com/office/drawing/2014/main" id="{CADBF8A5-A09C-EEBB-728D-C75B77E176B4}"/>
+              </a:ext>
+            </a:extLst>
+          </p:cNvPr>
+          <p:cNvSpPr>
+            <a:spLocks noGrp="1"/>
+          </p:cNvSpPr>
+          <p:nvPr>
+            <p:ph type="title"/>
+          </p:nvPr>
         </p:nvSpPr>
         <p:spPr>
           <a:xfrm>
-            <a:off x="10591800" y="4876800"/>
-            <a:ext cx="457200" cy="457200"/>
+            <a:off x="609600" y="405732"/>
+            <a:ext cx="10681335" cy="758190"/>
           </a:xfrm>
-          <a:custGeom>
-            <a:avLst/>
-            <a:gdLst/>
-            <a:ahLst/>
-            <a:cxnLst/>
-            <a:rect l="l" t="t" r="r" b="b"/>
-            <a:pathLst>
-              <a:path w="457200" h="457200">
-                <a:moveTo>
-                  <a:pt x="457200" y="0"/>
-                </a:moveTo>
-                <a:lnTo>
-                  <a:pt x="0" y="0"/>
-                </a:lnTo>
-                <a:lnTo>
-                  <a:pt x="0" y="457200"/>
-                </a:lnTo>
-                <a:lnTo>
-                  <a:pt x="457200" y="457200"/>
-                </a:lnTo>
-                <a:lnTo>
-                  <a:pt x="457200" y="0"/>
-                </a:lnTo>
-                <a:close/>
-              </a:path>
-            </a:pathLst>
-          </a:custGeom>
-          <a:solidFill>
-            <a:srgbClr val="42AF51"/>
-          </a:solidFill>
         </p:spPr>
         <p:txBody>
-          <a:bodyPr wrap="square" lIns="0" tIns="0" rIns="0" bIns="0" rtlCol="0"/>
+          <a:bodyPr/>
           <a:lstStyle/>
           <a:p>
-            <a:endParaRPr/>
-          </a:p>
-        </p:txBody>
-      </p:sp>
-      <p:sp>
-        <p:nvSpPr>
-          <p:cNvPr id="4" name="object 4"/>
-          <p:cNvSpPr/>
-          <p:nvPr/>
-        </p:nvSpPr>
-        <p:spPr>
-          <a:xfrm>
-            <a:off x="10115220" y="2438400"/>
-            <a:ext cx="314325" cy="323850"/>
-          </a:xfrm>
-          <a:custGeom>
-            <a:avLst/>
-            <a:gdLst/>
-            <a:ahLst/>
-            <a:cxnLst/>
-            <a:rect l="l" t="t" r="r" b="b"/>
-            <a:pathLst>
-              <a:path w="314325" h="323850">
-                <a:moveTo>
-                  <a:pt x="314325" y="0"/>
-                </a:moveTo>
-                <a:lnTo>
-                  <a:pt x="0" y="0"/>
-                </a:lnTo>
-                <a:lnTo>
-                  <a:pt x="0" y="323850"/>
-                </a:lnTo>
-                <a:lnTo>
-                  <a:pt x="314325" y="323850"/>
-                </a:lnTo>
-                <a:lnTo>
-                  <a:pt x="314325" y="0"/>
-                </a:lnTo>
-                <a:close/>
-              </a:path>
-            </a:pathLst>
-          </a:custGeom>
-          <a:solidFill>
-            <a:srgbClr val="2D83C3"/>
-          </a:solidFill>
-        </p:spPr>
-        <p:txBody>
-          <a:bodyPr wrap="square" lIns="0" tIns="0" rIns="0" bIns="0" rtlCol="0"/>
-          <a:lstStyle/>
-          <a:p>
-            <a:endParaRPr/>
-          </a:p>
-        </p:txBody>
-      </p:sp>
-      <p:sp>
-        <p:nvSpPr>
-          <p:cNvPr id="5" name="object 5"/>
-          <p:cNvSpPr/>
-          <p:nvPr/>
-        </p:nvSpPr>
-        <p:spPr>
-          <a:xfrm>
-            <a:off x="10408151" y="5791200"/>
-            <a:ext cx="180975" cy="180975"/>
-          </a:xfrm>
-          <a:custGeom>
-            <a:avLst/>
-            <a:gdLst/>
-            <a:ahLst/>
-            <a:cxnLst/>
-            <a:rect l="l" t="t" r="r" b="b"/>
-            <a:pathLst>
-              <a:path w="180975" h="180975">
-                <a:moveTo>
-                  <a:pt x="180975" y="0"/>
-                </a:moveTo>
-                <a:lnTo>
-                  <a:pt x="0" y="0"/>
-                </a:lnTo>
-                <a:lnTo>
-                  <a:pt x="0" y="180975"/>
-                </a:lnTo>
-                <a:lnTo>
-                  <a:pt x="180975" y="180975"/>
-                </a:lnTo>
-                <a:lnTo>
-                  <a:pt x="180975" y="0"/>
-                </a:lnTo>
-                <a:close/>
-              </a:path>
-            </a:pathLst>
-          </a:custGeom>
-          <a:solidFill>
-            <a:srgbClr val="2D936B"/>
-          </a:solidFill>
-        </p:spPr>
-        <p:txBody>
-          <a:bodyPr wrap="square" lIns="0" tIns="0" rIns="0" bIns="0" rtlCol="0"/>
-          <a:lstStyle/>
-          <a:p>
-            <a:endParaRPr/>
+            <a:r>
+              <a:rPr lang="en-US" dirty="0"/>
+              <a:t>Data Visualization</a:t>
+            </a:r>
           </a:p>
         </p:txBody>
       </p:sp>
       <p:pic>
         <p:nvPicPr>
-          <p:cNvPr id="6" name="object 6"/>
-          <p:cNvPicPr/>
+          <p:cNvPr id="5" name="Picture 4">
+            <a:extLst>
+              <a:ext uri="{FF2B5EF4-FFF2-40B4-BE49-F238E27FC236}">
+                <a16:creationId xmlns:a16="http://schemas.microsoft.com/office/drawing/2014/main" id="{31F098D0-04CB-E35E-B25E-1CD3489D9DF0}"/>
+              </a:ext>
+            </a:extLst>
+          </p:cNvPr>
+          <p:cNvPicPr>
+            <a:picLocks noChangeAspect="1"/>
+          </p:cNvPicPr>
           <p:nvPr/>
         </p:nvPicPr>
         <p:blipFill>
-          <a:blip r:embed="rId2" cstate="print"/>
+          <a:blip r:embed="rId2">
+            <a:extLst>
+              <a:ext uri="{28A0092B-C50C-407E-A947-70E740481C1C}">
+                <a14:useLocalDpi xmlns:a14="http://schemas.microsoft.com/office/drawing/2010/main" val="0"/>
+              </a:ext>
+            </a:extLst>
+          </a:blip>
           <a:stretch>
             <a:fillRect/>
           </a:stretch>
         </p:blipFill>
         <p:spPr>
           <a:xfrm>
-            <a:off x="1666875" y="6467475"/>
-            <a:ext cx="76200" cy="177800"/>
+            <a:off x="174884" y="1978756"/>
+            <a:ext cx="5616315" cy="3434311"/>
           </a:xfrm>
           <a:prstGeom prst="rect">
             <a:avLst/>
           </a:prstGeom>
         </p:spPr>
       </p:pic>
-      <p:sp>
-        <p:nvSpPr>
-          <p:cNvPr id="9" name="object 9"/>
-          <p:cNvSpPr txBox="1"/>
+      <p:pic>
+        <p:nvPicPr>
+          <p:cNvPr id="7" name="Picture 6">
+            <a:extLst>
+              <a:ext uri="{FF2B5EF4-FFF2-40B4-BE49-F238E27FC236}">
+                <a16:creationId xmlns:a16="http://schemas.microsoft.com/office/drawing/2014/main" id="{DCC189D2-AC30-F572-DC28-C7091AAEA8C1}"/>
+              </a:ext>
+            </a:extLst>
+          </p:cNvPr>
+          <p:cNvPicPr>
+            <a:picLocks noChangeAspect="1"/>
+          </p:cNvPicPr>
           <p:nvPr/>
-        </p:nvSpPr>
+        </p:nvPicPr>
+        <p:blipFill>
+          <a:blip r:embed="rId3">
+            <a:extLst>
+              <a:ext uri="{28A0092B-C50C-407E-A947-70E740481C1C}">
+                <a14:useLocalDpi xmlns:a14="http://schemas.microsoft.com/office/drawing/2010/main" val="0"/>
+              </a:ext>
+            </a:extLst>
+          </a:blip>
+          <a:stretch>
+            <a:fillRect/>
+          </a:stretch>
+        </p:blipFill>
         <p:spPr>
           <a:xfrm>
-            <a:off x="11277218" y="6473337"/>
-            <a:ext cx="228600" cy="191770"/>
+            <a:off x="5791200" y="1978756"/>
+            <a:ext cx="5884032" cy="3715322"/>
           </a:xfrm>
           <a:prstGeom prst="rect">
             <a:avLst/>
           </a:prstGeom>
         </p:spPr>
-        <p:txBody>
-          <a:bodyPr vert="horz" wrap="square" lIns="0" tIns="6985" rIns="0" bIns="0" rtlCol="0">
-            <a:spAutoFit/>
-          </a:bodyPr>
-          <a:lstStyle/>
-          <a:p>
-            <a:pPr marL="38100">
-              <a:lnSpc>
-                <a:spcPct val="100000"/>
-              </a:lnSpc>
-              <a:spcBef>
-                <a:spcPts val="55"/>
-              </a:spcBef>
-            </a:pPr>
-            <a:fld id="{81D60167-4931-47E6-BA6A-407CBD079E47}" type="slidenum">
-              <a:rPr sz="1100" spc="10" dirty="0">
-                <a:solidFill>
-                  <a:srgbClr val="2D936B"/>
-                </a:solidFill>
-                <a:latin typeface="Trebuchet MS"/>
-                <a:cs typeface="Trebuchet MS"/>
-              </a:rPr>
-              <a:t>9</a:t>
-            </a:fld>
-            <a:endParaRPr sz="1100">
-              <a:latin typeface="Trebuchet MS"/>
-              <a:cs typeface="Trebuchet MS"/>
-            </a:endParaRPr>
-          </a:p>
-        </p:txBody>
-      </p:sp>
-      <p:sp>
-        <p:nvSpPr>
-          <p:cNvPr id="8" name="object 8"/>
-          <p:cNvSpPr txBox="1"/>
-          <p:nvPr/>
-        </p:nvSpPr>
-        <p:spPr>
-          <a:xfrm>
-            <a:off x="381000" y="212725"/>
-            <a:ext cx="3303904" cy="758190"/>
-          </a:xfrm>
-          <a:prstGeom prst="rect">
-            <a:avLst/>
-          </a:prstGeom>
-        </p:spPr>
-        <p:txBody>
-          <a:bodyPr vert="horz" wrap="square" lIns="0" tIns="13335" rIns="0" bIns="0" rtlCol="0">
-            <a:spAutoFit/>
-          </a:bodyPr>
-          <a:lstStyle/>
-          <a:p>
-            <a:pPr marL="12700">
-              <a:lnSpc>
-                <a:spcPct val="100000"/>
-              </a:lnSpc>
-              <a:spcBef>
-                <a:spcPts val="105"/>
-              </a:spcBef>
-            </a:pPr>
-            <a:r>
-              <a:rPr sz="4800" b="1" spc="15" dirty="0">
-                <a:latin typeface="Trebuchet MS"/>
-                <a:cs typeface="Trebuchet MS"/>
-              </a:rPr>
-              <a:t>M</a:t>
-            </a:r>
-            <a:r>
-              <a:rPr sz="4800" b="1" dirty="0">
-                <a:latin typeface="Trebuchet MS"/>
-                <a:cs typeface="Trebuchet MS"/>
-              </a:rPr>
-              <a:t>O</a:t>
-            </a:r>
-            <a:r>
-              <a:rPr sz="4800" b="1" spc="-15" dirty="0">
-                <a:latin typeface="Trebuchet MS"/>
-                <a:cs typeface="Trebuchet MS"/>
-              </a:rPr>
-              <a:t>D</a:t>
-            </a:r>
-            <a:r>
-              <a:rPr sz="4800" b="1" spc="-35" dirty="0">
-                <a:latin typeface="Trebuchet MS"/>
-                <a:cs typeface="Trebuchet MS"/>
-              </a:rPr>
-              <a:t>E</a:t>
-            </a:r>
-            <a:r>
-              <a:rPr sz="4800" b="1" spc="-30" dirty="0">
-                <a:latin typeface="Trebuchet MS"/>
-                <a:cs typeface="Trebuchet MS"/>
-              </a:rPr>
-              <a:t>LL</a:t>
-            </a:r>
-            <a:r>
-              <a:rPr sz="4800" b="1" spc="-5" dirty="0">
-                <a:latin typeface="Trebuchet MS"/>
-                <a:cs typeface="Trebuchet MS"/>
-              </a:rPr>
-              <a:t>I</a:t>
-            </a:r>
-            <a:r>
-              <a:rPr sz="4800" b="1" spc="30" dirty="0">
-                <a:latin typeface="Trebuchet MS"/>
-                <a:cs typeface="Trebuchet MS"/>
-              </a:rPr>
-              <a:t>N</a:t>
-            </a:r>
-            <a:r>
-              <a:rPr sz="4800" b="1" spc="5" dirty="0">
-                <a:latin typeface="Trebuchet MS"/>
-                <a:cs typeface="Trebuchet MS"/>
-              </a:rPr>
-              <a:t>G</a:t>
-            </a:r>
-            <a:endParaRPr sz="4800" dirty="0">
-              <a:latin typeface="Trebuchet MS"/>
-              <a:cs typeface="Trebuchet MS"/>
-            </a:endParaRPr>
-          </a:p>
-        </p:txBody>
-      </p:sp>
-      <p:sp>
-        <p:nvSpPr>
-          <p:cNvPr id="10" name="TextBox 9">
-            <a:extLst>
-              <a:ext uri="{FF2B5EF4-FFF2-40B4-BE49-F238E27FC236}">
-                <a16:creationId xmlns:a16="http://schemas.microsoft.com/office/drawing/2014/main" id="{C81C1914-0283-6560-EC85-28F36FC16105}"/>
-              </a:ext>
-            </a:extLst>
-          </p:cNvPr>
-          <p:cNvSpPr txBox="1"/>
-          <p:nvPr/>
-        </p:nvSpPr>
-        <p:spPr>
-          <a:xfrm>
-            <a:off x="0" y="1020096"/>
-            <a:ext cx="9432095" cy="2308324"/>
-          </a:xfrm>
-          <a:prstGeom prst="rect">
-            <a:avLst/>
-          </a:prstGeom>
-          <a:noFill/>
-        </p:spPr>
-        <p:txBody>
-          <a:bodyPr wrap="square">
-            <a:spAutoFit/>
-          </a:bodyPr>
-          <a:lstStyle/>
-          <a:p>
-            <a:pPr marL="342900" indent="-342900">
-              <a:buFont typeface="Wingdings" panose="05000000000000000000" pitchFamily="2" charset="2"/>
-              <a:buChar char="Ø"/>
-            </a:pPr>
-            <a:r>
-              <a:rPr lang="en-US" sz="2400" b="0" i="0" dirty="0">
-                <a:solidFill>
-                  <a:srgbClr val="0D0D0D"/>
-                </a:solidFill>
-                <a:effectLst/>
-                <a:latin typeface="Times New Roman" panose="02020603050405020304" pitchFamily="18" charset="0"/>
-                <a:cs typeface="Times New Roman" panose="02020603050405020304" pitchFamily="18" charset="0"/>
-              </a:rPr>
-              <a:t>In our house price prediction modeling, we employ a multi-faceted approach, combining sophisticated machine learning algorithms with comprehensive feature engineering techniques. By meticulously analyzing diverse data points such as property attributes, neighborhood characteristics, and economic indicators, we extract valuable insights to enhance prediction accuracy.</a:t>
-            </a:r>
-            <a:endParaRPr lang="en-US" sz="2400" dirty="0">
-              <a:latin typeface="Times New Roman" panose="02020603050405020304" pitchFamily="18" charset="0"/>
-              <a:cs typeface="Times New Roman" panose="02020603050405020304" pitchFamily="18" charset="0"/>
-            </a:endParaRPr>
-          </a:p>
-        </p:txBody>
-      </p:sp>
-      <p:sp>
-        <p:nvSpPr>
-          <p:cNvPr id="19" name="TextBox 18">
-            <a:extLst>
-              <a:ext uri="{FF2B5EF4-FFF2-40B4-BE49-F238E27FC236}">
-                <a16:creationId xmlns:a16="http://schemas.microsoft.com/office/drawing/2014/main" id="{0BF9C3EF-167F-D99F-83A3-92A88DF759FD}"/>
-              </a:ext>
-            </a:extLst>
-          </p:cNvPr>
-          <p:cNvSpPr txBox="1"/>
-          <p:nvPr/>
-        </p:nvSpPr>
-        <p:spPr>
-          <a:xfrm>
-            <a:off x="2524455" y="8763000"/>
-            <a:ext cx="7286294" cy="8506161"/>
-          </a:xfrm>
-          <a:prstGeom prst="rect">
-            <a:avLst/>
-          </a:prstGeom>
-          <a:noFill/>
-        </p:spPr>
-        <p:txBody>
-          <a:bodyPr wrap="square" rtlCol="0">
-            <a:spAutoFit/>
-          </a:bodyPr>
-          <a:lstStyle/>
-          <a:p>
-            <a:endParaRPr lang="en-US" dirty="0"/>
-          </a:p>
-        </p:txBody>
-      </p:sp>
-      <p:sp>
-        <p:nvSpPr>
-          <p:cNvPr id="20" name="Rectangle 3">
-            <a:extLst>
-              <a:ext uri="{FF2B5EF4-FFF2-40B4-BE49-F238E27FC236}">
-                <a16:creationId xmlns:a16="http://schemas.microsoft.com/office/drawing/2014/main" id="{A10AB276-9E56-C744-9283-8A70FA7738D6}"/>
-              </a:ext>
-            </a:extLst>
-          </p:cNvPr>
-          <p:cNvSpPr>
-            <a:spLocks noChangeArrowheads="1"/>
-          </p:cNvSpPr>
-          <p:nvPr/>
-        </p:nvSpPr>
-        <p:spPr bwMode="auto">
-          <a:xfrm>
-            <a:off x="19380" y="3512820"/>
-            <a:ext cx="10115220" cy="2954655"/>
-          </a:xfrm>
-          <a:prstGeom prst="rect">
-            <a:avLst/>
-          </a:prstGeom>
-          <a:noFill/>
-          <a:ln>
-            <a:noFill/>
-          </a:ln>
-          <a:effectLst/>
-          <a:extLst>
-            <a:ext uri="{909E8E84-426E-40DD-AFC4-6F175D3DCCD1}">
-              <a14:hiddenFill xmlns:a14="http://schemas.microsoft.com/office/drawing/2010/main">
-                <a:solidFill>
-                  <a:schemeClr val="accent1"/>
-                </a:solidFill>
-              </a14:hiddenFill>
-            </a:ext>
-            <a:ext uri="{91240B29-F687-4F45-9708-019B960494DF}">
-              <a14:hiddenLine xmlns:a14="http://schemas.microsoft.com/office/drawing/2010/main" w="9525">
-                <a:solidFill>
-                  <a:schemeClr val="tx1"/>
-                </a:solidFill>
-                <a:miter lim="800000"/>
-                <a:headEnd/>
-                <a:tailEnd/>
-              </a14:hiddenLine>
-            </a:ext>
-            <a:ext uri="{AF507438-7753-43E0-B8FC-AC1667EBCBE1}">
-              <a14:hiddenEffects xmlns:a14="http://schemas.microsoft.com/office/drawing/2010/main">
-                <a:effectLst>
-                  <a:outerShdw dist="35921" dir="2700000" algn="ctr" rotWithShape="0">
-                    <a:schemeClr val="bg2"/>
-                  </a:outerShdw>
-                </a:effectLst>
-              </a14:hiddenEffects>
-            </a:ext>
-          </a:extLst>
-        </p:spPr>
-        <p:txBody>
-          <a:bodyPr vert="horz" wrap="square" lIns="91440" tIns="45720" rIns="91440" bIns="45720" numCol="1" anchor="ctr" anchorCtr="0" compatLnSpc="1">
-            <a:prstTxWarp prst="textNoShape">
-              <a:avLst/>
-            </a:prstTxWarp>
-            <a:spAutoFit/>
-          </a:bodyPr>
-          <a:lstStyle/>
-          <a:p>
-            <a:pPr marL="342900" marR="0" lvl="0" indent="-342900" algn="l" defTabSz="914400" rtl="0" eaLnBrk="0" fontAlgn="base" latinLnBrk="0" hangingPunct="0">
-              <a:lnSpc>
-                <a:spcPct val="100000"/>
-              </a:lnSpc>
-              <a:spcBef>
-                <a:spcPct val="0"/>
-              </a:spcBef>
-              <a:spcAft>
-                <a:spcPct val="0"/>
-              </a:spcAft>
-              <a:buClrTx/>
-              <a:buSzTx/>
-              <a:buFont typeface="Wingdings" panose="05000000000000000000" pitchFamily="2" charset="2"/>
-              <a:buChar char="Ø"/>
-              <a:tabLst/>
-            </a:pPr>
-            <a:r>
-              <a:rPr kumimoji="0" lang="en-US" altLang="en-US" sz="2400" b="0" i="0" u="none" strike="noStrike" cap="none" normalizeH="0" baseline="0" dirty="0">
-                <a:ln>
-                  <a:noFill/>
-                </a:ln>
-                <a:solidFill>
-                  <a:schemeClr val="tx1"/>
-                </a:solidFill>
-                <a:effectLst/>
-                <a:latin typeface="Times New Roman" panose="02020603050405020304" pitchFamily="18" charset="0"/>
-                <a:cs typeface="Times New Roman" panose="02020603050405020304" pitchFamily="18" charset="0"/>
-              </a:rPr>
-              <a:t>With a focus on interpretability and scalability, our solution adapts seamlessly to varying market conditions and geographical regions. Backed by robust statistical methodologies, our modeling framework ensures reliable forecasts, empowering stakeholders to make informed decisions in real estate transactions. Embrace the future of house price prediction with our innovative modeling solution, setting new benchmarks for precision and efficiency in the industry.</a:t>
-            </a:r>
-          </a:p>
-          <a:p>
-            <a:pPr marL="0" marR="0" lvl="0" indent="0" algn="l" defTabSz="914400" rtl="0" eaLnBrk="0" fontAlgn="base" latinLnBrk="0" hangingPunct="0">
-              <a:lnSpc>
-                <a:spcPct val="100000"/>
-              </a:lnSpc>
-              <a:spcBef>
-                <a:spcPct val="0"/>
-              </a:spcBef>
-              <a:spcAft>
-                <a:spcPct val="0"/>
-              </a:spcAft>
-              <a:buClrTx/>
-              <a:buSzTx/>
-              <a:buFontTx/>
-              <a:buNone/>
-              <a:tabLst/>
-            </a:pPr>
-            <a:endParaRPr kumimoji="0" lang="en-US" altLang="en-US" sz="1800" b="0" i="0" u="none" strike="noStrike" cap="none" normalizeH="0" baseline="0" dirty="0">
-              <a:ln>
-                <a:noFill/>
-              </a:ln>
-              <a:solidFill>
-                <a:schemeClr val="tx1"/>
-              </a:solidFill>
-              <a:effectLst/>
-              <a:latin typeface="Arial" panose="020B0604020202020204" pitchFamily="34" charset="0"/>
-            </a:endParaRPr>
-          </a:p>
-        </p:txBody>
-      </p:sp>
-      <p:sp>
-        <p:nvSpPr>
-          <p:cNvPr id="21" name="Rectangle 4">
-            <a:extLst>
-              <a:ext uri="{FF2B5EF4-FFF2-40B4-BE49-F238E27FC236}">
-                <a16:creationId xmlns:a16="http://schemas.microsoft.com/office/drawing/2014/main" id="{62AC94DE-1B50-A6BE-B3AB-A619C652CD2F}"/>
-              </a:ext>
-            </a:extLst>
-          </p:cNvPr>
-          <p:cNvSpPr>
-            <a:spLocks noChangeArrowheads="1"/>
-          </p:cNvSpPr>
-          <p:nvPr/>
-        </p:nvSpPr>
-        <p:spPr bwMode="auto">
-          <a:xfrm>
-            <a:off x="857580" y="3662094"/>
-            <a:ext cx="3211327" cy="646331"/>
-          </a:xfrm>
-          <a:prstGeom prst="rect">
-            <a:avLst/>
-          </a:prstGeom>
-          <a:noFill/>
-          <a:ln>
-            <a:noFill/>
-          </a:ln>
-          <a:effectLst/>
-          <a:extLst>
-            <a:ext uri="{909E8E84-426E-40DD-AFC4-6F175D3DCCD1}">
-              <a14:hiddenFill xmlns:a14="http://schemas.microsoft.com/office/drawing/2010/main">
-                <a:solidFill>
-                  <a:schemeClr val="accent1"/>
-                </a:solidFill>
-              </a14:hiddenFill>
-            </a:ext>
-            <a:ext uri="{91240B29-F687-4F45-9708-019B960494DF}">
-              <a14:hiddenLine xmlns:a14="http://schemas.microsoft.com/office/drawing/2010/main" w="9525">
-                <a:solidFill>
-                  <a:schemeClr val="tx1"/>
-                </a:solidFill>
-                <a:miter lim="800000"/>
-                <a:headEnd/>
-                <a:tailEnd/>
-              </a14:hiddenLine>
-            </a:ext>
-            <a:ext uri="{AF507438-7753-43E0-B8FC-AC1667EBCBE1}">
-              <a14:hiddenEffects xmlns:a14="http://schemas.microsoft.com/office/drawing/2010/main">
-                <a:effectLst>
-                  <a:outerShdw dist="35921" dir="2700000" algn="ctr" rotWithShape="0">
-                    <a:schemeClr val="bg2"/>
-                  </a:outerShdw>
-                </a:effectLst>
-              </a14:hiddenEffects>
-            </a:ext>
-          </a:extLst>
-        </p:spPr>
-        <p:txBody>
-          <a:bodyPr vert="horz" wrap="square" lIns="91440" tIns="45720" rIns="91440" bIns="45720" numCol="1" anchor="ctr" anchorCtr="0" compatLnSpc="1">
-            <a:prstTxWarp prst="textNoShape">
-              <a:avLst/>
-            </a:prstTxWarp>
-            <a:spAutoFit/>
-          </a:bodyPr>
-          <a:lstStyle/>
-          <a:p>
-            <a:pPr marL="0" marR="0" lvl="0" indent="0" algn="l" defTabSz="914400" rtl="0" eaLnBrk="0" fontAlgn="base" latinLnBrk="0" hangingPunct="0">
-              <a:lnSpc>
-                <a:spcPct val="100000"/>
-              </a:lnSpc>
-              <a:spcBef>
-                <a:spcPct val="0"/>
-              </a:spcBef>
-              <a:spcAft>
-                <a:spcPct val="0"/>
-              </a:spcAft>
-              <a:buClrTx/>
-              <a:buSzTx/>
-              <a:buFontTx/>
-              <a:buNone/>
-              <a:tabLst/>
-            </a:pPr>
-            <a:br>
-              <a:rPr kumimoji="0" lang="en-US" altLang="en-US" sz="1800" b="0" i="0" u="none" strike="noStrike" cap="none" normalizeH="0" baseline="0">
-                <a:ln>
-                  <a:noFill/>
-                </a:ln>
-                <a:solidFill>
-                  <a:srgbClr val="000000"/>
-                </a:solidFill>
-                <a:effectLst/>
-                <a:latin typeface="Söhne"/>
-              </a:rPr>
-            </a:br>
-            <a:endParaRPr kumimoji="0" lang="en-US" altLang="en-US" sz="1800" b="0" i="0" u="none" strike="noStrike" cap="none" normalizeH="0" baseline="0">
-              <a:ln>
-                <a:noFill/>
-              </a:ln>
-              <a:solidFill>
-                <a:schemeClr val="tx1"/>
-              </a:solidFill>
-              <a:effectLst/>
-              <a:latin typeface="Arial" panose="020B0604020202020204" pitchFamily="34" charset="0"/>
-            </a:endParaRPr>
-          </a:p>
-        </p:txBody>
-      </p:sp>
+      </p:pic>
     </p:spTree>
+    <p:extLst>
+      <p:ext uri="{BB962C8B-B14F-4D97-AF65-F5344CB8AC3E}">
+        <p14:creationId xmlns:p14="http://schemas.microsoft.com/office/powerpoint/2010/main" val="846025853"/>
+      </p:ext>
+    </p:extLst>
   </p:cSld>
   <p:clrMapOvr>
     <a:masterClrMapping/>
